--- a/ppt/최종발표.pptx
+++ b/ppt/최종발표.pptx
@@ -6299,7 +6299,7 @@
           <p:nvPr>
             <p:extLst>
               <p:ext uri="{D42A27DB-BD31-4B8C-83A1-F6EECF244321}">
-                <p14:modId xmlns:p14="http://schemas.microsoft.com/office/powerpoint/2010/main" val="2829006797"/>
+                <p14:modId xmlns:p14="http://schemas.microsoft.com/office/powerpoint/2010/main" val="3098756801"/>
               </p:ext>
             </p:extLst>
           </p:nvPr>
@@ -6354,6 +6354,26 @@
                       <a:r>
                         <a:rPr lang="ko-KR" altLang="en-US" sz="1400" dirty="0" err="1"/>
                         <a:t>커밋횟수</a:t>
+                      </a:r>
+                      <a:r>
+                        <a:rPr lang="en-US" altLang="ko-KR" sz="1400" dirty="0"/>
+                        <a:t>(</a:t>
+                      </a:r>
+                      <a:r>
+                        <a:rPr lang="ko-KR" altLang="en-US" sz="1400" dirty="0"/>
+                        <a:t>총 </a:t>
+                      </a:r>
+                      <a:r>
+                        <a:rPr lang="en-US" altLang="ko-KR" sz="1400" dirty="0"/>
+                        <a:t>56</a:t>
+                      </a:r>
+                      <a:r>
+                        <a:rPr lang="ko-KR" altLang="en-US" sz="1400" dirty="0"/>
+                        <a:t>회</a:t>
+                      </a:r>
+                      <a:r>
+                        <a:rPr lang="en-US" altLang="ko-KR" sz="1400" dirty="0"/>
+                        <a:t>)</a:t>
                       </a:r>
                       <a:endParaRPr lang="ko-KR" altLang="en-US" sz="1400" dirty="0"/>
                     </a:p>
